--- a/Pitch.pptx
+++ b/Pitch.pptx
@@ -20601,8 +20601,18 @@
           <a:lstStyle/>
           <a:p>
             <a:r>
+              <a:rPr lang="pt-BR" dirty="0" smtClean="0"/>
+              <a:t>Aprendendo o Git Hub </a:t>
+            </a:r>
+            <a:r>
+              <a:rPr lang="pt-BR" dirty="0" smtClean="0"/>
+              <a:t>ahahahahah</a:t>
+            </a:r>
+          </a:p>
+          <a:p>
+            <a:r>
               <a:rPr lang="pt-BR" smtClean="0"/>
-              <a:t>Aprendendo o Git Hub ahahahahah</a:t>
+              <a:t>KKKKKKKKKKKKK</a:t>
             </a:r>
             <a:endParaRPr lang="en-US"/>
           </a:p>
